--- a/PPTs/solution_saffah.pptx
+++ b/PPTs/solution_saffah.pptx
@@ -3352,46 +3352,34 @@
           <a:lstStyle/>
           <a:p>
             <a:r>
-              <a:rPr lang="en-US" altLang="zh-CN" dirty="0" smtClean="0"/>
-              <a:t>D. </a:t>
-            </a:r>
-            <a:r>
               <a:rPr lang="en-US" altLang="zh-CN" dirty="0"/>
-              <a:t>《</a:t>
+              <a:t>D. 《</a:t>
             </a:r>
             <a:r>
               <a:rPr lang="zh-CN" altLang="en-US" dirty="0"/>
               <a:t>算法与数据结构</a:t>
             </a:r>
             <a:r>
-              <a:rPr lang="en-US" altLang="zh-CN" dirty="0" smtClean="0"/>
+              <a:rPr lang="en-US" altLang="zh-CN" dirty="0"/>
               <a:t>》</a:t>
             </a:r>
             <a:br>
-              <a:rPr lang="en-US" altLang="zh-CN" dirty="0" smtClean="0"/>
+              <a:rPr lang="en-US" altLang="zh-CN" dirty="0"/>
             </a:br>
             <a:r>
-              <a:rPr lang="en-US" altLang="zh-CN" dirty="0" smtClean="0"/>
+              <a:rPr lang="en-US" altLang="zh-CN" dirty="0"/>
               <a:t>			</a:t>
             </a:r>
             <a:r>
-              <a:rPr lang="zh-CN" altLang="en-US" dirty="0" smtClean="0"/>
-              <a:t>小</a:t>
-            </a:r>
-            <a:r>
               <a:rPr lang="zh-CN" altLang="en-US" dirty="0"/>
-              <a:t>助教招募</a:t>
-            </a:r>
-            <a:r>
-              <a:rPr lang="zh-CN" altLang="en-US" dirty="0" smtClean="0"/>
-              <a:t>通知 </a:t>
-            </a:r>
-            <a:r>
-              <a:rPr lang="en-US" altLang="zh-CN" dirty="0" smtClean="0"/>
+              <a:t>小助教招募通知 </a:t>
+            </a:r>
+            <a:r>
+              <a:rPr lang="en-US" altLang="zh-CN" dirty="0"/>
               <a:t>/ </a:t>
             </a:r>
             <a:r>
-              <a:rPr lang="en-US" altLang="zh-CN" dirty="0" err="1" smtClean="0"/>
+              <a:rPr lang="en-US" altLang="zh-CN" dirty="0" err="1"/>
               <a:t>dsa</a:t>
             </a:r>
             <a:endParaRPr lang="zh-CN" altLang="en-US" dirty="0"/>
@@ -3420,25 +3408,16 @@
           <a:lstStyle/>
           <a:p>
             <a:r>
-              <a:rPr lang="zh-CN" altLang="en-US" dirty="0" smtClean="0"/>
+              <a:rPr lang="zh-CN" altLang="en-US" dirty="0"/>
               <a:t>命题人：清华大学 于纪平</a:t>
             </a:r>
-            <a:endParaRPr lang="en-US" altLang="zh-CN" dirty="0" smtClean="0"/>
-          </a:p>
-          <a:p>
-            <a:r>
-              <a:rPr lang="zh-CN" altLang="en-US" dirty="0" smtClean="0"/>
-              <a:t>验题人</a:t>
-            </a:r>
+            <a:endParaRPr lang="en-US" altLang="zh-CN" dirty="0"/>
+          </a:p>
+          <a:p>
             <a:r>
               <a:rPr lang="zh-CN" altLang="en-US" dirty="0"/>
-              <a:t>：清华大学</a:t>
-            </a:r>
-            <a:r>
-              <a:rPr lang="zh-CN" altLang="en-US" dirty="0" smtClean="0"/>
-              <a:t>王聿中</a:t>
-            </a:r>
-            <a:endParaRPr lang="zh-CN" altLang="en-US" dirty="0"/>
+              <a:t>验题人：清华大学 王聿中</a:t>
+            </a:r>
           </a:p>
         </p:txBody>
       </p:sp>
@@ -3495,26 +3474,21 @@
           <a:p>
             <a:r>
               <a:rPr lang="zh-CN" altLang="en-US" dirty="0"/>
-              <a:t>题目</a:t>
-            </a:r>
-            <a:r>
-              <a:rPr lang="zh-CN" altLang="en-US" dirty="0" smtClean="0"/>
-              <a:t>大意</a:t>
-            </a:r>
-            <a:r>
-              <a:rPr lang="en-US" altLang="zh-CN" dirty="0" smtClean="0"/>
+              <a:t>题目大意</a:t>
+            </a:r>
+            <a:r>
+              <a:rPr lang="en-US" altLang="zh-CN" dirty="0"/>
               <a:t>——</a:t>
             </a:r>
             <a:r>
-              <a:rPr lang="zh-CN" altLang="en-US" dirty="0" smtClean="0"/>
+              <a:rPr lang="zh-CN" altLang="en-US" dirty="0"/>
               <a:t>说人话</a:t>
             </a:r>
-            <a:endParaRPr lang="zh-CN" altLang="en-US" dirty="0"/>
-          </a:p>
-        </p:txBody>
-      </p:sp>
-      <mc:AlternateContent xmlns:mc="http://schemas.openxmlformats.org/markup-compatibility/2006">
-        <mc:Choice xmlns:a14="http://schemas.microsoft.com/office/drawing/2010/main" Requires="a14">
+          </a:p>
+        </p:txBody>
+      </p:sp>
+      <mc:AlternateContent xmlns:mc="http://schemas.openxmlformats.org/markup-compatibility/2006" xmlns:a14="http://schemas.microsoft.com/office/drawing/2010/main">
+        <mc:Choice Requires="a14">
           <p:sp>
             <p:nvSpPr>
               <p:cNvPr id="5" name="内容占位符 4">
@@ -3537,7 +3511,7 @@
               <a:lstStyle/>
               <a:p>
                 <a:r>
-                  <a:rPr lang="zh-CN" altLang="en-US" dirty="0" smtClean="0"/>
+                  <a:rPr lang="zh-CN" altLang="en-US" dirty="0"/>
                   <a:t>给出 </a:t>
                 </a:r>
                 <a14:m>
@@ -3551,7 +3525,7 @@
                   </m:oMath>
                 </a14:m>
                 <a:r>
-                  <a:rPr lang="zh-CN" altLang="en-US" dirty="0" smtClean="0"/>
+                  <a:rPr lang="zh-CN" altLang="en-US" dirty="0"/>
                   <a:t> 个平面向量组，每组有 </a:t>
                 </a:r>
                 <a14:m>
@@ -3565,23 +3539,19 @@
                   </m:oMath>
                 </a14:m>
                 <a:r>
-                  <a:rPr lang="en-US" altLang="zh-CN" dirty="0" smtClean="0"/>
+                  <a:rPr lang="en-US" altLang="zh-CN" dirty="0"/>
                   <a:t> </a:t>
                 </a:r>
                 <a:r>
-                  <a:rPr lang="zh-CN" altLang="en-US" dirty="0" smtClean="0"/>
+                  <a:rPr lang="zh-CN" altLang="en-US" dirty="0"/>
                   <a:t>个向量</a:t>
                 </a:r>
-                <a:endParaRPr lang="en-US" altLang="zh-CN" dirty="0" smtClean="0"/>
+                <a:endParaRPr lang="en-US" altLang="zh-CN" dirty="0"/>
               </a:p>
               <a:p>
                 <a:r>
                   <a:rPr lang="zh-CN" altLang="en-US" dirty="0"/>
-                  <a:t>给</a:t>
-                </a:r>
-                <a:r>
-                  <a:rPr lang="zh-CN" altLang="en-US" dirty="0" smtClean="0"/>
-                  <a:t>出 </a:t>
+                  <a:t>给出 </a:t>
                 </a:r>
                 <a14:m>
                   <m:oMath xmlns:m="http://schemas.openxmlformats.org/officeDocument/2006/math">
@@ -3594,7 +3564,7 @@
                   </m:oMath>
                 </a14:m>
                 <a:r>
-                  <a:rPr lang="zh-CN" altLang="en-US" dirty="0" smtClean="0"/>
+                  <a:rPr lang="zh-CN" altLang="en-US" dirty="0"/>
                   <a:t> 个询问，每个询问给出 </a:t>
                 </a:r>
                 <a14:m>
@@ -3696,7 +3666,7 @@
                   </m:oMath>
                 </a14:m>
                 <a:r>
-                  <a:rPr lang="zh-CN" altLang="en-US" dirty="0" smtClean="0"/>
+                  <a:rPr lang="zh-CN" altLang="en-US" dirty="0"/>
                   <a:t>，要求从第 </a:t>
                 </a:r>
                 <a14:m>
@@ -3710,11 +3680,11 @@
                   </m:oMath>
                 </a14:m>
                 <a:r>
-                  <a:rPr lang="en-US" altLang="zh-CN" dirty="0" smtClean="0"/>
+                  <a:rPr lang="en-US" altLang="zh-CN" dirty="0"/>
                   <a:t> </a:t>
                 </a:r>
                 <a:r>
-                  <a:rPr lang="zh-CN" altLang="en-US" dirty="0" smtClean="0"/>
+                  <a:rPr lang="zh-CN" altLang="en-US" dirty="0"/>
                   <a:t>组中选出恰好 </a:t>
                 </a:r>
                 <a14:m>
@@ -3747,14 +3717,14 @@
                   </m:oMath>
                 </a14:m>
                 <a:r>
-                  <a:rPr lang="en-US" altLang="zh-CN" dirty="0" smtClean="0"/>
+                  <a:rPr lang="en-US" altLang="zh-CN" dirty="0"/>
                   <a:t> </a:t>
                 </a:r>
                 <a:r>
-                  <a:rPr lang="zh-CN" altLang="en-US" dirty="0" smtClean="0"/>
+                  <a:rPr lang="zh-CN" altLang="en-US" dirty="0"/>
                   <a:t>个向量，最大化这些向量的和的长度</a:t>
                 </a:r>
-                <a:endParaRPr lang="en-US" altLang="zh-CN" dirty="0" smtClean="0"/>
+                <a:endParaRPr lang="en-US" altLang="zh-CN" dirty="0"/>
               </a:p>
               <a:p>
                 <a:endParaRPr lang="en-US" altLang="zh-CN" dirty="0"/>
@@ -3811,7 +3781,7 @@
             </p:txBody>
           </p:sp>
         </mc:Choice>
-        <mc:Fallback>
+        <mc:Fallback xmlns="">
           <p:sp>
             <p:nvSpPr>
               <p:cNvPr id="5" name="内容占位符 4">
@@ -3903,15 +3873,14 @@
           <a:lstStyle/>
           <a:p>
             <a:r>
-              <a:rPr lang="zh-CN" altLang="en-US" dirty="0" smtClean="0"/>
+              <a:rPr lang="zh-CN" altLang="en-US" dirty="0"/>
               <a:t>暴力解法</a:t>
             </a:r>
-            <a:endParaRPr lang="zh-CN" altLang="en-US" dirty="0"/>
-          </a:p>
-        </p:txBody>
-      </p:sp>
-      <mc:AlternateContent xmlns:mc="http://schemas.openxmlformats.org/markup-compatibility/2006">
-        <mc:Choice xmlns:a14="http://schemas.microsoft.com/office/drawing/2010/main" Requires="a14">
+          </a:p>
+        </p:txBody>
+      </p:sp>
+      <mc:AlternateContent xmlns:mc="http://schemas.openxmlformats.org/markup-compatibility/2006" xmlns:a14="http://schemas.microsoft.com/office/drawing/2010/main">
+        <mc:Choice Requires="a14">
           <p:sp>
             <p:nvSpPr>
               <p:cNvPr id="5" name="内容占位符 4">
@@ -3934,32 +3903,28 @@
               <a:lstStyle/>
               <a:p>
                 <a:r>
-                  <a:rPr lang="zh-CN" altLang="en-US" dirty="0" smtClean="0"/>
+                  <a:rPr lang="zh-CN" altLang="en-US" dirty="0"/>
                   <a:t>假设和向量的方向确定了，则一定是在每组中选择在该方向的投影最大的若干个向量</a:t>
                 </a:r>
-                <a:endParaRPr lang="en-US" altLang="zh-CN" dirty="0" smtClean="0"/>
-              </a:p>
-              <a:p>
-                <a:r>
-                  <a:rPr lang="zh-CN" altLang="en-US" dirty="0" smtClean="0"/>
-                  <a:t>在圆周上“枚举”和向量的方向，在每组内贪心</a:t>
-                </a:r>
-                <a:endParaRPr lang="en-US" altLang="zh-CN" dirty="0" smtClean="0"/>
+                <a:endParaRPr lang="en-US" altLang="zh-CN" dirty="0"/>
               </a:p>
               <a:p>
                 <a:r>
                   <a:rPr lang="zh-CN" altLang="en-US" dirty="0"/>
-                  <a:t>如何</a:t>
+                  <a:t>在圆周上“枚举”和向量的方向，在每组内贪心</a:t>
                 </a:r>
-                <a:r>
-                  <a:rPr lang="zh-CN" altLang="en-US" dirty="0" smtClean="0"/>
-                  <a:t>枚举？</a:t>
-                </a:r>
-                <a:endParaRPr lang="en-US" altLang="zh-CN" dirty="0" smtClean="0"/>
+                <a:endParaRPr lang="en-US" altLang="zh-CN" dirty="0"/>
               </a:p>
               <a:p>
                 <a:r>
-                  <a:rPr lang="zh-CN" altLang="en-US" dirty="0" smtClean="0"/>
+                  <a:rPr lang="zh-CN" altLang="en-US" dirty="0"/>
+                  <a:t>如何枚举？</a:t>
+                </a:r>
+                <a:endParaRPr lang="en-US" altLang="zh-CN" dirty="0"/>
+              </a:p>
+              <a:p>
+                <a:r>
+                  <a:rPr lang="zh-CN" altLang="en-US" dirty="0"/>
                   <a:t>对于任何两个向量 </a:t>
                 </a:r>
                 <a14:m>
@@ -3985,7 +3950,7 @@
                   </m:oMath>
                 </a14:m>
                 <a:r>
-                  <a:rPr lang="zh-CN" altLang="en-US" dirty="0" smtClean="0"/>
+                  <a:rPr lang="zh-CN" altLang="en-US" dirty="0"/>
                   <a:t>，在圆周上有一半的方向 </a:t>
                 </a:r>
                 <a14:m>
@@ -3999,11 +3964,11 @@
                   </m:oMath>
                 </a14:m>
                 <a:r>
-                  <a:rPr lang="en-US" altLang="zh-CN" dirty="0" smtClean="0"/>
+                  <a:rPr lang="en-US" altLang="zh-CN" dirty="0"/>
                   <a:t> </a:t>
                 </a:r>
                 <a:r>
-                  <a:rPr lang="zh-CN" altLang="en-US" dirty="0" smtClean="0"/>
+                  <a:rPr lang="zh-CN" altLang="en-US" dirty="0"/>
                   <a:t>的投影更大，另一半 </a:t>
                 </a:r>
                 <a14:m>
@@ -4017,23 +3982,19 @@
                   </m:oMath>
                 </a14:m>
                 <a:r>
-                  <a:rPr lang="en-US" altLang="zh-CN" dirty="0" smtClean="0"/>
+                  <a:rPr lang="en-US" altLang="zh-CN" dirty="0"/>
                   <a:t> </a:t>
                 </a:r>
                 <a:r>
-                  <a:rPr lang="zh-CN" altLang="en-US" dirty="0" smtClean="0"/>
+                  <a:rPr lang="zh-CN" altLang="en-US" dirty="0"/>
                   <a:t>的投影更大</a:t>
                 </a:r>
-                <a:endParaRPr lang="en-US" altLang="zh-CN" dirty="0" smtClean="0"/>
+                <a:endParaRPr lang="en-US" altLang="zh-CN" dirty="0"/>
               </a:p>
               <a:p>
                 <a:r>
                   <a:rPr lang="zh-CN" altLang="en-US" dirty="0"/>
-                  <a:t>所以</a:t>
-                </a:r>
-                <a:r>
-                  <a:rPr lang="zh-CN" altLang="en-US" dirty="0" smtClean="0"/>
-                  <a:t>本质不同的方向只有 </a:t>
+                  <a:t>所以本质不同的方向只有 </a:t>
                 </a:r>
                 <a14:m>
                   <m:oMath xmlns:m="http://schemas.openxmlformats.org/officeDocument/2006/math">
@@ -4088,14 +4049,14 @@
                   </m:oMath>
                 </a14:m>
                 <a:r>
-                  <a:rPr lang="zh-CN" altLang="en-US" dirty="0" smtClean="0"/>
+                  <a:rPr lang="zh-CN" altLang="en-US" dirty="0"/>
                   <a:t>个</a:t>
                 </a:r>
-                <a:endParaRPr lang="en-US" altLang="zh-CN" dirty="0" smtClean="0"/>
+                <a:endParaRPr lang="en-US" altLang="zh-CN" dirty="0"/>
               </a:p>
               <a:p>
                 <a:r>
-                  <a:rPr lang="zh-CN" altLang="en-US" dirty="0" smtClean="0"/>
+                  <a:rPr lang="zh-CN" altLang="en-US" dirty="0"/>
                   <a:t>对于每次询问，枚举方向，做一遍贪心，我们得到了一个 </a:t>
                 </a:r>
                 <a14:m>
@@ -4175,7 +4136,7 @@
                   </m:oMath>
                 </a14:m>
                 <a:r>
-                  <a:rPr lang="zh-CN" altLang="en-US" dirty="0" smtClean="0"/>
+                  <a:rPr lang="zh-CN" altLang="en-US" dirty="0"/>
                   <a:t> 时间的解法</a:t>
                 </a:r>
                 <a:endParaRPr lang="en-US" altLang="zh-CN" dirty="0"/>
@@ -4183,7 +4144,7 @@
             </p:txBody>
           </p:sp>
         </mc:Choice>
-        <mc:Fallback>
+        <mc:Fallback xmlns="">
           <p:sp>
             <p:nvSpPr>
               <p:cNvPr id="5" name="内容占位符 4">
@@ -4275,15 +4236,14 @@
           <a:lstStyle/>
           <a:p>
             <a:r>
-              <a:rPr lang="zh-CN" altLang="en-US" dirty="0" smtClean="0"/>
+              <a:rPr lang="zh-CN" altLang="en-US" dirty="0"/>
               <a:t>标准解法</a:t>
             </a:r>
-            <a:endParaRPr lang="zh-CN" altLang="en-US" dirty="0"/>
-          </a:p>
-        </p:txBody>
-      </p:sp>
-      <mc:AlternateContent xmlns:mc="http://schemas.openxmlformats.org/markup-compatibility/2006">
-        <mc:Choice xmlns:a14="http://schemas.microsoft.com/office/drawing/2010/main" Requires="a14">
+          </a:p>
+        </p:txBody>
+      </p:sp>
+      <mc:AlternateContent xmlns:mc="http://schemas.openxmlformats.org/markup-compatibility/2006" xmlns:a14="http://schemas.microsoft.com/office/drawing/2010/main">
+        <mc:Choice Requires="a14">
           <p:sp>
             <p:nvSpPr>
               <p:cNvPr id="5" name="内容占位符 4">
@@ -4306,25 +4266,21 @@
               <a:lstStyle/>
               <a:p>
                 <a:r>
-                  <a:rPr lang="zh-CN" altLang="en-US" dirty="0" smtClean="0"/>
-                  <a:t>类似</a:t>
+                  <a:rPr lang="zh-CN" altLang="en-US" dirty="0"/>
+                  <a:t>类似扫描线的思想枚举方向，维护每组内所有向量的排名</a:t>
                 </a:r>
-                <a:r>
-                  <a:rPr lang="zh-CN" altLang="en-US" dirty="0" smtClean="0"/>
-                  <a:t>扫描线的思想枚举方向，维护每组内所有向量的排名</a:t>
-                </a:r>
-                <a:endParaRPr lang="en-US" altLang="zh-CN" dirty="0" smtClean="0"/>
+                <a:endParaRPr lang="en-US" altLang="zh-CN" dirty="0"/>
               </a:p>
               <a:p>
                 <a:r>
-                  <a:rPr lang="zh-CN" altLang="en-US" dirty="0" smtClean="0"/>
+                  <a:rPr lang="zh-CN" altLang="en-US" dirty="0"/>
                   <a:t>每当排名发生变化时，更新相关询问的答案</a:t>
                 </a:r>
-                <a:endParaRPr lang="en-US" altLang="zh-CN" dirty="0" smtClean="0"/>
+                <a:endParaRPr lang="en-US" altLang="zh-CN" dirty="0"/>
               </a:p>
               <a:p>
                 <a:r>
-                  <a:rPr lang="zh-CN" altLang="en-US" dirty="0" smtClean="0"/>
+                  <a:rPr lang="zh-CN" altLang="en-US" dirty="0"/>
                   <a:t>极角排序所有事件：</a:t>
                 </a:r>
                 <a14:m>
@@ -4408,14 +4364,14 @@
                   </m:oMath>
                 </a14:m>
                 <a:r>
-                  <a:rPr lang="zh-CN" altLang="en-US" dirty="0" smtClean="0"/>
+                  <a:rPr lang="zh-CN" altLang="en-US" dirty="0"/>
                   <a:t> 时间</a:t>
                 </a:r>
-                <a:endParaRPr lang="en-US" altLang="zh-CN" dirty="0" smtClean="0"/>
+                <a:endParaRPr lang="en-US" altLang="zh-CN" dirty="0"/>
               </a:p>
               <a:p>
                 <a:r>
-                  <a:rPr lang="zh-CN" altLang="en-US" dirty="0" smtClean="0"/>
+                  <a:rPr lang="zh-CN" altLang="en-US" dirty="0"/>
                   <a:t>由于数据随机，每个事件期望仅涉及 </a:t>
                 </a:r>
                 <a14:m>
@@ -4458,11 +4414,11 @@
                   </m:oMath>
                 </a14:m>
                 <a:r>
-                  <a:rPr lang="en-US" altLang="zh-CN" dirty="0" smtClean="0"/>
+                  <a:rPr lang="en-US" altLang="zh-CN" dirty="0"/>
                   <a:t> </a:t>
                 </a:r>
                 <a:r>
-                  <a:rPr lang="zh-CN" altLang="en-US" dirty="0" smtClean="0"/>
+                  <a:rPr lang="zh-CN" altLang="en-US" dirty="0"/>
                   <a:t>个询问，扫描线的总时间为：</a:t>
                 </a:r>
                 <a14:m>
@@ -4570,16 +4526,12 @@
                     </m:d>
                   </m:oMath>
                 </a14:m>
-                <a:endParaRPr lang="en-US" altLang="zh-CN" dirty="0" smtClean="0"/>
+                <a:endParaRPr lang="en-US" altLang="zh-CN" dirty="0"/>
               </a:p>
               <a:p>
                 <a:r>
                   <a:rPr lang="zh-CN" altLang="en-US" dirty="0"/>
-                  <a:t>总</a:t>
-                </a:r>
-                <a:r>
-                  <a:rPr lang="zh-CN" altLang="en-US" dirty="0" smtClean="0"/>
-                  <a:t>时间为</a:t>
+                  <a:t>总时间为</a:t>
                 </a:r>
                 <a14:m>
                   <m:oMath xmlns:m="http://schemas.openxmlformats.org/officeDocument/2006/math">
@@ -4678,7 +4630,7 @@
             </p:txBody>
           </p:sp>
         </mc:Choice>
-        <mc:Fallback>
+        <mc:Fallback xmlns="">
           <p:sp>
             <p:nvSpPr>
               <p:cNvPr id="5" name="内容占位符 4">
@@ -4770,10 +4722,9 @@
           <a:lstStyle/>
           <a:p>
             <a:r>
-              <a:rPr lang="zh-CN" altLang="en-US" dirty="0" smtClean="0"/>
+              <a:rPr lang="zh-CN" altLang="en-US" dirty="0"/>
               <a:t>边界情况</a:t>
             </a:r>
-            <a:endParaRPr lang="zh-CN" altLang="en-US" dirty="0"/>
           </a:p>
         </p:txBody>
       </p:sp>
@@ -4808,44 +4759,36 @@
             </a:r>
             <a:r>
               <a:rPr lang="zh-CN" altLang="en-US" dirty="0"/>
-              <a:t>个</a:t>
-            </a:r>
-            <a:r>
-              <a:rPr lang="zh-CN" altLang="en-US" dirty="0" smtClean="0"/>
-              <a:t>向量</a:t>
+              <a:t>个向量（事件总数为</a:t>
+            </a:r>
+            <a:r>
+              <a:rPr lang="en-US" altLang="zh-CN" dirty="0"/>
+              <a:t>0</a:t>
             </a:r>
             <a:r>
               <a:rPr lang="zh-CN" altLang="en-US" dirty="0"/>
-              <a:t>（事件总数为</a:t>
-            </a:r>
-            <a:r>
-              <a:rPr lang="en-US" altLang="zh-CN" dirty="0" smtClean="0"/>
-              <a:t>0</a:t>
-            </a:r>
-            <a:r>
-              <a:rPr lang="zh-CN" altLang="en-US" dirty="0" smtClean="0"/>
               <a:t>）</a:t>
             </a:r>
-            <a:endParaRPr lang="en-US" altLang="zh-CN" dirty="0" smtClean="0"/>
-          </a:p>
-          <a:p>
-            <a:r>
-              <a:rPr lang="zh-CN" altLang="en-US" dirty="0" smtClean="0"/>
+            <a:endParaRPr lang="en-US" altLang="zh-CN" dirty="0"/>
+          </a:p>
+          <a:p>
+            <a:r>
+              <a:rPr lang="zh-CN" altLang="en-US" dirty="0"/>
               <a:t>在某个方向上，某组中有多于</a:t>
             </a:r>
             <a:r>
-              <a:rPr lang="en-US" altLang="zh-CN" dirty="0" smtClean="0"/>
+              <a:rPr lang="en-US" altLang="zh-CN" dirty="0"/>
               <a:t>2</a:t>
             </a:r>
             <a:r>
-              <a:rPr lang="zh-CN" altLang="en-US" dirty="0" smtClean="0"/>
+              <a:rPr lang="zh-CN" altLang="en-US" dirty="0"/>
               <a:t>个向量投影相等并正在交换排名（三线共点）</a:t>
             </a:r>
-            <a:endParaRPr lang="en-US" altLang="zh-CN" dirty="0" smtClean="0"/>
-          </a:p>
-          <a:p>
-            <a:r>
-              <a:rPr lang="zh-CN" altLang="en-US" dirty="0" smtClean="0"/>
+            <a:endParaRPr lang="en-US" altLang="zh-CN" dirty="0"/>
+          </a:p>
+          <a:p>
+            <a:r>
+              <a:rPr lang="zh-CN" altLang="en-US" dirty="0"/>
               <a:t>在某个方向上，某组中有</a:t>
             </a:r>
             <a:r>
@@ -4853,30 +4796,30 @@
               <a:t>x</a:t>
             </a:r>
             <a:r>
-              <a:rPr lang="zh-CN" altLang="en-US" dirty="0" smtClean="0"/>
+              <a:rPr lang="zh-CN" altLang="en-US" dirty="0"/>
               <a:t>个向量投影相等、另有</a:t>
             </a:r>
             <a:r>
-              <a:rPr lang="en-US" altLang="zh-CN" dirty="0" smtClean="0"/>
+              <a:rPr lang="en-US" altLang="zh-CN" dirty="0"/>
               <a:t>y</a:t>
             </a:r>
             <a:r>
-              <a:rPr lang="zh-CN" altLang="en-US" dirty="0" smtClean="0"/>
+              <a:rPr lang="zh-CN" altLang="en-US" dirty="0"/>
               <a:t>个向量投影相等，但这</a:t>
             </a:r>
             <a:r>
-              <a:rPr lang="en-US" altLang="zh-CN" dirty="0" err="1" smtClean="0"/>
+              <a:rPr lang="en-US" altLang="zh-CN" dirty="0" err="1"/>
               <a:t>x+y</a:t>
             </a:r>
             <a:r>
-              <a:rPr lang="zh-CN" altLang="en-US" dirty="0" smtClean="0"/>
+              <a:rPr lang="zh-CN" altLang="en-US" dirty="0"/>
               <a:t>个投影不都相等（两个交点横坐标相同）</a:t>
             </a:r>
-            <a:endParaRPr lang="en-US" altLang="zh-CN" dirty="0" smtClean="0"/>
-          </a:p>
-          <a:p>
-            <a:r>
-              <a:rPr lang="zh-CN" altLang="en-US" dirty="0" smtClean="0"/>
+            <a:endParaRPr lang="en-US" altLang="zh-CN" dirty="0"/>
+          </a:p>
+          <a:p>
+            <a:r>
+              <a:rPr lang="zh-CN" altLang="en-US" dirty="0"/>
               <a:t>某组中存在多个相等的向量（存在完全重合的线）</a:t>
             </a:r>
             <a:endParaRPr lang="en-US" altLang="zh-CN" dirty="0"/>
